--- a/1 - Introdução ao SQL com Microsoft SQL Server 2017/Linkedin.pptx
+++ b/1 - Introdução ao SQL com Microsoft SQL Server 2017/Linkedin.pptx
@@ -8,6 +8,11 @@
     <p:sldId id="256" r:id="rId2"/>
     <p:sldId id="328" r:id="rId3"/>
     <p:sldId id="326" r:id="rId4"/>
+    <p:sldId id="329" r:id="rId5"/>
+    <p:sldId id="330" r:id="rId6"/>
+    <p:sldId id="331" r:id="rId7"/>
+    <p:sldId id="332" r:id="rId8"/>
+    <p:sldId id="333" r:id="rId9"/>
   </p:sldIdLst>
   <p:sldSz cx="9144000" cy="6858000" type="screen4x3"/>
   <p:notesSz cx="6858000" cy="9144000"/>
@@ -283,7 +288,7 @@
             <a:fld id="{41371B2D-5B36-42E3-97A0-9B2A345893FE}" type="datetimeFigureOut">
               <a:rPr lang="pt-BR" smtClean="0"/>
               <a:pPr/>
-              <a:t>18/07/2021</a:t>
+              <a:t>20/07/2021</a:t>
             </a:fld>
             <a:endParaRPr lang="pt-BR"/>
           </a:p>
@@ -450,7 +455,7 @@
             <a:fld id="{41371B2D-5B36-42E3-97A0-9B2A345893FE}" type="datetimeFigureOut">
               <a:rPr lang="pt-BR" smtClean="0"/>
               <a:pPr/>
-              <a:t>18/07/2021</a:t>
+              <a:t>20/07/2021</a:t>
             </a:fld>
             <a:endParaRPr lang="pt-BR"/>
           </a:p>
@@ -627,7 +632,7 @@
             <a:fld id="{41371B2D-5B36-42E3-97A0-9B2A345893FE}" type="datetimeFigureOut">
               <a:rPr lang="pt-BR" smtClean="0"/>
               <a:pPr/>
-              <a:t>18/07/2021</a:t>
+              <a:t>20/07/2021</a:t>
             </a:fld>
             <a:endParaRPr lang="pt-BR"/>
           </a:p>
@@ -794,7 +799,7 @@
             <a:fld id="{41371B2D-5B36-42E3-97A0-9B2A345893FE}" type="datetimeFigureOut">
               <a:rPr lang="pt-BR" smtClean="0"/>
               <a:pPr/>
-              <a:t>18/07/2021</a:t>
+              <a:t>20/07/2021</a:t>
             </a:fld>
             <a:endParaRPr lang="pt-BR"/>
           </a:p>
@@ -1038,7 +1043,7 @@
             <a:fld id="{41371B2D-5B36-42E3-97A0-9B2A345893FE}" type="datetimeFigureOut">
               <a:rPr lang="pt-BR" smtClean="0"/>
               <a:pPr/>
-              <a:t>18/07/2021</a:t>
+              <a:t>20/07/2021</a:t>
             </a:fld>
             <a:endParaRPr lang="pt-BR"/>
           </a:p>
@@ -1304,7 +1309,7 @@
             <a:fld id="{41371B2D-5B36-42E3-97A0-9B2A345893FE}" type="datetimeFigureOut">
               <a:rPr lang="pt-BR" smtClean="0"/>
               <a:pPr/>
-              <a:t>18/07/2021</a:t>
+              <a:t>20/07/2021</a:t>
             </a:fld>
             <a:endParaRPr lang="pt-BR"/>
           </a:p>
@@ -1684,7 +1689,7 @@
             <a:fld id="{41371B2D-5B36-42E3-97A0-9B2A345893FE}" type="datetimeFigureOut">
               <a:rPr lang="pt-BR" smtClean="0"/>
               <a:pPr/>
-              <a:t>18/07/2021</a:t>
+              <a:t>20/07/2021</a:t>
             </a:fld>
             <a:endParaRPr lang="pt-BR"/>
           </a:p>
@@ -1836,7 +1841,7 @@
             <a:fld id="{41371B2D-5B36-42E3-97A0-9B2A345893FE}" type="datetimeFigureOut">
               <a:rPr lang="pt-BR" smtClean="0"/>
               <a:pPr/>
-              <a:t>18/07/2021</a:t>
+              <a:t>20/07/2021</a:t>
             </a:fld>
             <a:endParaRPr lang="pt-BR"/>
           </a:p>
@@ -1928,7 +1933,7 @@
             <a:fld id="{41371B2D-5B36-42E3-97A0-9B2A345893FE}" type="datetimeFigureOut">
               <a:rPr lang="pt-BR" smtClean="0"/>
               <a:pPr/>
-              <a:t>18/07/2021</a:t>
+              <a:t>20/07/2021</a:t>
             </a:fld>
             <a:endParaRPr lang="pt-BR"/>
           </a:p>
@@ -2191,7 +2196,7 @@
             <a:fld id="{41371B2D-5B36-42E3-97A0-9B2A345893FE}" type="datetimeFigureOut">
               <a:rPr lang="pt-BR" smtClean="0"/>
               <a:pPr/>
-              <a:t>18/07/2021</a:t>
+              <a:t>20/07/2021</a:t>
             </a:fld>
             <a:endParaRPr lang="pt-BR"/>
           </a:p>
@@ -2481,7 +2486,7 @@
             <a:fld id="{41371B2D-5B36-42E3-97A0-9B2A345893FE}" type="datetimeFigureOut">
               <a:rPr lang="pt-BR" smtClean="0"/>
               <a:pPr/>
-              <a:t>18/07/2021</a:t>
+              <a:t>20/07/2021</a:t>
             </a:fld>
             <a:endParaRPr lang="pt-BR"/>
           </a:p>
@@ -3254,7 +3259,7 @@
             <a:fld id="{41371B2D-5B36-42E3-97A0-9B2A345893FE}" type="datetimeFigureOut">
               <a:rPr lang="pt-BR" smtClean="0"/>
               <a:pPr/>
-              <a:t>18/07/2021</a:t>
+              <a:t>20/07/2021</a:t>
             </a:fld>
             <a:endParaRPr lang="pt-BR"/>
           </a:p>
@@ -3875,7 +3880,7 @@
       </p:grpSpPr>
       <p:pic>
         <p:nvPicPr>
-          <p:cNvPr id="4" name="Imagem 3" descr="Dashboard com Pentaho - Visualize e analise os dados.PNG"/>
+          <p:cNvPr id="3" name="Imagem 2" descr="Capturar.PNG"/>
           <p:cNvPicPr>
             <a:picLocks noChangeAspect="1"/>
           </p:cNvPicPr>
@@ -3889,8 +3894,8 @@
         </p:blipFill>
         <p:spPr>
           <a:xfrm>
-            <a:off x="142844" y="1000108"/>
-            <a:ext cx="8840434" cy="5611008"/>
+            <a:off x="151195" y="1175578"/>
+            <a:ext cx="8849961" cy="5611008"/>
           </a:xfrm>
           <a:prstGeom prst="rect">
             <a:avLst/>
@@ -3902,6 +3907,13 @@
   <p:clrMapOvr>
     <a:masterClrMapping/>
   </p:clrMapOvr>
+  <p:timing>
+    <p:tnLst>
+      <p:par>
+        <p:cTn id="1" dur="indefinite" restart="never" nodeType="tmRoot"/>
+      </p:par>
+    </p:tnLst>
+  </p:timing>
 </p:sld>
 </file>
 
@@ -3924,37 +3936,151 @@
       </p:grpSpPr>
       <p:pic>
         <p:nvPicPr>
-          <p:cNvPr id="1026" name="Picture 2"/>
+          <p:cNvPr id="3" name="Imagem 2" descr="Criando database.JPG"/>
           <p:cNvPicPr>
-            <a:picLocks noChangeAspect="1" noChangeArrowheads="1"/>
+            <a:picLocks noChangeAspect="1"/>
           </p:cNvPicPr>
           <p:nvPr/>
         </p:nvPicPr>
         <p:blipFill>
           <a:blip r:embed="rId2"/>
-          <a:srcRect/>
           <a:stretch>
             <a:fillRect/>
           </a:stretch>
         </p:blipFill>
-        <p:spPr bwMode="auto">
+        <p:spPr>
           <a:xfrm>
-            <a:off x="0" y="1400156"/>
-            <a:ext cx="9096407" cy="5457844"/>
+            <a:off x="0" y="1575410"/>
+            <a:ext cx="9144000" cy="5282590"/>
+          </a:xfrm>
+          <a:prstGeom prst="rect">
+            <a:avLst/>
+          </a:prstGeom>
+        </p:spPr>
+      </p:pic>
+      <p:sp>
+        <p:nvSpPr>
+          <p:cNvPr id="4" name="Retângulo 3"/>
+          <p:cNvSpPr/>
+          <p:nvPr/>
+        </p:nvSpPr>
+        <p:spPr>
+          <a:xfrm>
+            <a:off x="1142976" y="571480"/>
+            <a:ext cx="7177735" cy="923330"/>
           </a:xfrm>
           <a:prstGeom prst="rect">
             <a:avLst/>
           </a:prstGeom>
           <a:noFill/>
-          <a:ln w="9525">
-            <a:noFill/>
-            <a:miter lim="800000"/>
-            <a:headEnd/>
-            <a:tailEnd/>
-          </a:ln>
-          <a:effectLst/>
         </p:spPr>
-      </p:pic>
+        <p:txBody>
+          <a:bodyPr wrap="none" lIns="91440" tIns="45720" rIns="91440" bIns="45720">
+            <a:spAutoFit/>
+          </a:bodyPr>
+          <a:lstStyle/>
+          <a:p>
+            <a:pPr algn="ctr"/>
+            <a:r>
+              <a:rPr lang="pt-BR" sz="5400" b="1" cap="all" dirty="0" smtClean="0">
+                <a:ln w="9000" cmpd="sng">
+                  <a:solidFill>
+                    <a:schemeClr val="accent4">
+                      <a:shade val="50000"/>
+                      <a:satMod val="120000"/>
+                    </a:schemeClr>
+                  </a:solidFill>
+                  <a:prstDash val="solid"/>
+                </a:ln>
+                <a:gradFill>
+                  <a:gsLst>
+                    <a:gs pos="0">
+                      <a:schemeClr val="accent4">
+                        <a:shade val="20000"/>
+                        <a:satMod val="245000"/>
+                      </a:schemeClr>
+                    </a:gs>
+                    <a:gs pos="43000">
+                      <a:schemeClr val="accent4">
+                        <a:satMod val="255000"/>
+                      </a:schemeClr>
+                    </a:gs>
+                    <a:gs pos="48000">
+                      <a:schemeClr val="accent4">
+                        <a:shade val="85000"/>
+                        <a:satMod val="255000"/>
+                      </a:schemeClr>
+                    </a:gs>
+                    <a:gs pos="100000">
+                      <a:schemeClr val="accent4">
+                        <a:shade val="20000"/>
+                        <a:satMod val="245000"/>
+                      </a:schemeClr>
+                    </a:gs>
+                  </a:gsLst>
+                  <a:lin ang="5400000"/>
+                </a:gradFill>
+                <a:effectLst>
+                  <a:outerShdw blurRad="38100" dist="38100" dir="2700000" algn="tl">
+                    <a:srgbClr val="000000">
+                      <a:alpha val="43137"/>
+                    </a:srgbClr>
+                  </a:outerShdw>
+                  <a:reflection blurRad="12700" stA="28000" endPos="45000" dist="1000" dir="5400000" sy="-100000" algn="bl" rotWithShape="0"/>
+                </a:effectLst>
+              </a:rPr>
+              <a:t>Criando Database</a:t>
+            </a:r>
+            <a:endParaRPr lang="pt-BR" sz="5400" b="1" cap="all" dirty="0">
+              <a:ln w="9000" cmpd="sng">
+                <a:solidFill>
+                  <a:schemeClr val="accent4">
+                    <a:shade val="50000"/>
+                    <a:satMod val="120000"/>
+                  </a:schemeClr>
+                </a:solidFill>
+                <a:prstDash val="solid"/>
+              </a:ln>
+              <a:gradFill>
+                <a:gsLst>
+                  <a:gs pos="0">
+                    <a:schemeClr val="accent4">
+                      <a:shade val="20000"/>
+                      <a:satMod val="245000"/>
+                    </a:schemeClr>
+                  </a:gs>
+                  <a:gs pos="43000">
+                    <a:schemeClr val="accent4">
+                      <a:satMod val="255000"/>
+                    </a:schemeClr>
+                  </a:gs>
+                  <a:gs pos="48000">
+                    <a:schemeClr val="accent4">
+                      <a:shade val="85000"/>
+                      <a:satMod val="255000"/>
+                    </a:schemeClr>
+                  </a:gs>
+                  <a:gs pos="100000">
+                    <a:schemeClr val="accent4">
+                      <a:shade val="20000"/>
+                      <a:satMod val="245000"/>
+                    </a:schemeClr>
+                  </a:gs>
+                </a:gsLst>
+                <a:lin ang="5400000"/>
+              </a:gradFill>
+              <a:effectLst>
+                <a:outerShdw blurRad="38100" dist="38100" dir="2700000" algn="tl">
+                  <a:srgbClr val="000000">
+                    <a:alpha val="43137"/>
+                  </a:srgbClr>
+                </a:outerShdw>
+                <a:reflection blurRad="12700" stA="28000" endPos="45000" dist="1000" dir="5400000" sy="-100000" algn="bl" rotWithShape="0"/>
+              </a:effectLst>
+            </a:endParaRPr>
+          </a:p>
+        </p:txBody>
+      </p:sp>
     </p:spTree>
   </p:cSld>
   <p:clrMapOvr>
@@ -3987,6 +4113,317 @@
           <a:chExt cx="0" cy="0"/>
         </a:xfrm>
       </p:grpSpPr>
+      <p:sp>
+        <p:nvSpPr>
+          <p:cNvPr id="3" name="Retângulo 2"/>
+          <p:cNvSpPr/>
+          <p:nvPr/>
+        </p:nvSpPr>
+        <p:spPr>
+          <a:xfrm>
+            <a:off x="1142976" y="571480"/>
+            <a:ext cx="6228629" cy="923330"/>
+          </a:xfrm>
+          <a:prstGeom prst="rect">
+            <a:avLst/>
+          </a:prstGeom>
+          <a:noFill/>
+        </p:spPr>
+        <p:txBody>
+          <a:bodyPr wrap="none" lIns="91440" tIns="45720" rIns="91440" bIns="45720">
+            <a:spAutoFit/>
+          </a:bodyPr>
+          <a:lstStyle/>
+          <a:p>
+            <a:pPr algn="ctr"/>
+            <a:r>
+              <a:rPr lang="pt-BR" sz="5400" b="1" cap="all" dirty="0" smtClean="0">
+                <a:ln w="9000" cmpd="sng">
+                  <a:solidFill>
+                    <a:schemeClr val="accent4">
+                      <a:shade val="50000"/>
+                      <a:satMod val="120000"/>
+                    </a:schemeClr>
+                  </a:solidFill>
+                  <a:prstDash val="solid"/>
+                </a:ln>
+                <a:gradFill>
+                  <a:gsLst>
+                    <a:gs pos="0">
+                      <a:schemeClr val="accent4">
+                        <a:shade val="20000"/>
+                        <a:satMod val="245000"/>
+                      </a:schemeClr>
+                    </a:gs>
+                    <a:gs pos="43000">
+                      <a:schemeClr val="accent4">
+                        <a:satMod val="255000"/>
+                      </a:schemeClr>
+                    </a:gs>
+                    <a:gs pos="48000">
+                      <a:schemeClr val="accent4">
+                        <a:shade val="85000"/>
+                        <a:satMod val="255000"/>
+                      </a:schemeClr>
+                    </a:gs>
+                    <a:gs pos="100000">
+                      <a:schemeClr val="accent4">
+                        <a:shade val="20000"/>
+                        <a:satMod val="245000"/>
+                      </a:schemeClr>
+                    </a:gs>
+                  </a:gsLst>
+                  <a:lin ang="5400000"/>
+                </a:gradFill>
+                <a:effectLst>
+                  <a:outerShdw blurRad="38100" dist="38100" dir="2700000" algn="tl">
+                    <a:srgbClr val="000000">
+                      <a:alpha val="43137"/>
+                    </a:srgbClr>
+                  </a:outerShdw>
+                  <a:reflection blurRad="12700" stA="28000" endPos="45000" dist="1000" dir="5400000" sy="-100000" algn="bl" rotWithShape="0"/>
+                </a:effectLst>
+              </a:rPr>
+              <a:t>Tabela clientes</a:t>
+            </a:r>
+            <a:endParaRPr lang="pt-BR" sz="5400" b="1" cap="all" dirty="0">
+              <a:ln w="9000" cmpd="sng">
+                <a:solidFill>
+                  <a:schemeClr val="accent4">
+                    <a:shade val="50000"/>
+                    <a:satMod val="120000"/>
+                  </a:schemeClr>
+                </a:solidFill>
+                <a:prstDash val="solid"/>
+              </a:ln>
+              <a:gradFill>
+                <a:gsLst>
+                  <a:gs pos="0">
+                    <a:schemeClr val="accent4">
+                      <a:shade val="20000"/>
+                      <a:satMod val="245000"/>
+                    </a:schemeClr>
+                  </a:gs>
+                  <a:gs pos="43000">
+                    <a:schemeClr val="accent4">
+                      <a:satMod val="255000"/>
+                    </a:schemeClr>
+                  </a:gs>
+                  <a:gs pos="48000">
+                    <a:schemeClr val="accent4">
+                      <a:shade val="85000"/>
+                      <a:satMod val="255000"/>
+                    </a:schemeClr>
+                  </a:gs>
+                  <a:gs pos="100000">
+                    <a:schemeClr val="accent4">
+                      <a:shade val="20000"/>
+                      <a:satMod val="245000"/>
+                    </a:schemeClr>
+                  </a:gs>
+                </a:gsLst>
+                <a:lin ang="5400000"/>
+              </a:gradFill>
+              <a:effectLst>
+                <a:outerShdw blurRad="38100" dist="38100" dir="2700000" algn="tl">
+                  <a:srgbClr val="000000">
+                    <a:alpha val="43137"/>
+                  </a:srgbClr>
+                </a:outerShdw>
+                <a:reflection blurRad="12700" stA="28000" endPos="45000" dist="1000" dir="5400000" sy="-100000" algn="bl" rotWithShape="0"/>
+              </a:effectLst>
+            </a:endParaRPr>
+          </a:p>
+        </p:txBody>
+      </p:sp>
+      <p:pic>
+        <p:nvPicPr>
+          <p:cNvPr id="1026" name="Picture 2"/>
+          <p:cNvPicPr>
+            <a:picLocks noChangeAspect="1" noChangeArrowheads="1"/>
+          </p:cNvPicPr>
+          <p:nvPr/>
+        </p:nvPicPr>
+        <p:blipFill>
+          <a:blip r:embed="rId2"/>
+          <a:srcRect/>
+          <a:stretch>
+            <a:fillRect/>
+          </a:stretch>
+        </p:blipFill>
+        <p:spPr bwMode="auto">
+          <a:xfrm>
+            <a:off x="0" y="1643050"/>
+            <a:ext cx="9144000" cy="5214950"/>
+          </a:xfrm>
+          <a:prstGeom prst="rect">
+            <a:avLst/>
+          </a:prstGeom>
+          <a:noFill/>
+          <a:ln w="9525">
+            <a:noFill/>
+            <a:miter lim="800000"/>
+            <a:headEnd/>
+            <a:tailEnd/>
+          </a:ln>
+          <a:effectLst/>
+        </p:spPr>
+      </p:pic>
+    </p:spTree>
+  </p:cSld>
+  <p:clrMapOvr>
+    <a:masterClrMapping/>
+  </p:clrMapOvr>
+  <p:timing>
+    <p:tnLst>
+      <p:par>
+        <p:cTn id="1" dur="indefinite" restart="never" nodeType="tmRoot"/>
+      </p:par>
+    </p:tnLst>
+  </p:timing>
+</p:sld>
+</file>
+
+<file path=ppt/slides/slide4.xml><?xml version="1.0" encoding="utf-8"?>
+<p:sld xmlns:a="http://schemas.openxmlformats.org/drawingml/2006/main" xmlns:r="http://schemas.openxmlformats.org/officeDocument/2006/relationships" xmlns:p="http://schemas.openxmlformats.org/presentationml/2006/main">
+  <p:cSld>
+    <p:spTree>
+      <p:nvGrpSpPr>
+        <p:cNvPr id="1" name=""/>
+        <p:cNvGrpSpPr/>
+        <p:nvPr/>
+      </p:nvGrpSpPr>
+      <p:grpSpPr>
+        <a:xfrm>
+          <a:off x="0" y="0"/>
+          <a:ext cx="0" cy="0"/>
+          <a:chOff x="0" y="0"/>
+          <a:chExt cx="0" cy="0"/>
+        </a:xfrm>
+      </p:grpSpPr>
+      <p:sp>
+        <p:nvSpPr>
+          <p:cNvPr id="3" name="Retângulo 2"/>
+          <p:cNvSpPr/>
+          <p:nvPr/>
+        </p:nvSpPr>
+        <p:spPr>
+          <a:xfrm>
+            <a:off x="1000100" y="714356"/>
+            <a:ext cx="7022756" cy="923330"/>
+          </a:xfrm>
+          <a:prstGeom prst="rect">
+            <a:avLst/>
+          </a:prstGeom>
+          <a:noFill/>
+        </p:spPr>
+        <p:txBody>
+          <a:bodyPr wrap="none" lIns="91440" tIns="45720" rIns="91440" bIns="45720">
+            <a:spAutoFit/>
+          </a:bodyPr>
+          <a:lstStyle/>
+          <a:p>
+            <a:pPr algn="ctr"/>
+            <a:r>
+              <a:rPr lang="pt-BR" sz="5400" b="1" cap="all" dirty="0" smtClean="0">
+                <a:ln w="9000" cmpd="sng">
+                  <a:solidFill>
+                    <a:schemeClr val="accent4">
+                      <a:shade val="50000"/>
+                      <a:satMod val="120000"/>
+                    </a:schemeClr>
+                  </a:solidFill>
+                  <a:prstDash val="solid"/>
+                </a:ln>
+                <a:gradFill>
+                  <a:gsLst>
+                    <a:gs pos="0">
+                      <a:schemeClr val="accent4">
+                        <a:shade val="20000"/>
+                        <a:satMod val="245000"/>
+                      </a:schemeClr>
+                    </a:gs>
+                    <a:gs pos="43000">
+                      <a:schemeClr val="accent4">
+                        <a:satMod val="255000"/>
+                      </a:schemeClr>
+                    </a:gs>
+                    <a:gs pos="48000">
+                      <a:schemeClr val="accent4">
+                        <a:shade val="85000"/>
+                        <a:satMod val="255000"/>
+                      </a:schemeClr>
+                    </a:gs>
+                    <a:gs pos="100000">
+                      <a:schemeClr val="accent4">
+                        <a:shade val="20000"/>
+                        <a:satMod val="245000"/>
+                      </a:schemeClr>
+                    </a:gs>
+                  </a:gsLst>
+                  <a:lin ang="5400000"/>
+                </a:gradFill>
+                <a:effectLst>
+                  <a:outerShdw blurRad="38100" dist="38100" dir="2700000" algn="tl">
+                    <a:srgbClr val="000000">
+                      <a:alpha val="43137"/>
+                    </a:srgbClr>
+                  </a:outerShdw>
+                  <a:reflection blurRad="12700" stA="28000" endPos="45000" dist="1000" dir="5400000" sy="-100000" algn="bl" rotWithShape="0"/>
+                </a:effectLst>
+              </a:rPr>
+              <a:t>Tabela  produtos</a:t>
+            </a:r>
+            <a:endParaRPr lang="pt-BR" sz="5400" b="1" cap="all" dirty="0">
+              <a:ln w="9000" cmpd="sng">
+                <a:solidFill>
+                  <a:schemeClr val="accent4">
+                    <a:shade val="50000"/>
+                    <a:satMod val="120000"/>
+                  </a:schemeClr>
+                </a:solidFill>
+                <a:prstDash val="solid"/>
+              </a:ln>
+              <a:gradFill>
+                <a:gsLst>
+                  <a:gs pos="0">
+                    <a:schemeClr val="accent4">
+                      <a:shade val="20000"/>
+                      <a:satMod val="245000"/>
+                    </a:schemeClr>
+                  </a:gs>
+                  <a:gs pos="43000">
+                    <a:schemeClr val="accent4">
+                      <a:satMod val="255000"/>
+                    </a:schemeClr>
+                  </a:gs>
+                  <a:gs pos="48000">
+                    <a:schemeClr val="accent4">
+                      <a:shade val="85000"/>
+                      <a:satMod val="255000"/>
+                    </a:schemeClr>
+                  </a:gs>
+                  <a:gs pos="100000">
+                    <a:schemeClr val="accent4">
+                      <a:shade val="20000"/>
+                      <a:satMod val="245000"/>
+                    </a:schemeClr>
+                  </a:gs>
+                </a:gsLst>
+                <a:lin ang="5400000"/>
+              </a:gradFill>
+              <a:effectLst>
+                <a:outerShdw blurRad="38100" dist="38100" dir="2700000" algn="tl">
+                  <a:srgbClr val="000000">
+                    <a:alpha val="43137"/>
+                  </a:srgbClr>
+                </a:outerShdw>
+                <a:reflection blurRad="12700" stA="28000" endPos="45000" dist="1000" dir="5400000" sy="-100000" algn="bl" rotWithShape="0"/>
+              </a:effectLst>
+            </a:endParaRPr>
+          </a:p>
+        </p:txBody>
+      </p:sp>
       <p:pic>
         <p:nvPicPr>
           <p:cNvPr id="2050" name="Picture 2"/>
@@ -4004,8 +4441,760 @@
         </p:blipFill>
         <p:spPr bwMode="auto">
           <a:xfrm>
-            <a:off x="357158" y="938534"/>
-            <a:ext cx="8402244" cy="5919466"/>
+            <a:off x="138113" y="1785926"/>
+            <a:ext cx="8867775" cy="5143536"/>
+          </a:xfrm>
+          <a:prstGeom prst="rect">
+            <a:avLst/>
+          </a:prstGeom>
+          <a:noFill/>
+          <a:ln w="9525">
+            <a:noFill/>
+            <a:miter lim="800000"/>
+            <a:headEnd/>
+            <a:tailEnd/>
+          </a:ln>
+          <a:effectLst/>
+        </p:spPr>
+      </p:pic>
+    </p:spTree>
+  </p:cSld>
+  <p:clrMapOvr>
+    <a:masterClrMapping/>
+  </p:clrMapOvr>
+  <p:timing>
+    <p:tnLst>
+      <p:par>
+        <p:cTn id="1" dur="indefinite" restart="never" nodeType="tmRoot"/>
+      </p:par>
+    </p:tnLst>
+  </p:timing>
+</p:sld>
+</file>
+
+<file path=ppt/slides/slide5.xml><?xml version="1.0" encoding="utf-8"?>
+<p:sld xmlns:a="http://schemas.openxmlformats.org/drawingml/2006/main" xmlns:r="http://schemas.openxmlformats.org/officeDocument/2006/relationships" xmlns:p="http://schemas.openxmlformats.org/presentationml/2006/main">
+  <p:cSld>
+    <p:spTree>
+      <p:nvGrpSpPr>
+        <p:cNvPr id="1" name=""/>
+        <p:cNvGrpSpPr/>
+        <p:nvPr/>
+      </p:nvGrpSpPr>
+      <p:grpSpPr>
+        <a:xfrm>
+          <a:off x="0" y="0"/>
+          <a:ext cx="0" cy="0"/>
+          <a:chOff x="0" y="0"/>
+          <a:chExt cx="0" cy="0"/>
+        </a:xfrm>
+      </p:grpSpPr>
+      <p:sp>
+        <p:nvSpPr>
+          <p:cNvPr id="3" name="Retângulo 2"/>
+          <p:cNvSpPr/>
+          <p:nvPr/>
+        </p:nvSpPr>
+        <p:spPr>
+          <a:xfrm>
+            <a:off x="285720" y="1000108"/>
+            <a:ext cx="8458406" cy="923330"/>
+          </a:xfrm>
+          <a:prstGeom prst="rect">
+            <a:avLst/>
+          </a:prstGeom>
+          <a:noFill/>
+        </p:spPr>
+        <p:txBody>
+          <a:bodyPr wrap="none" lIns="91440" tIns="45720" rIns="91440" bIns="45720">
+            <a:spAutoFit/>
+          </a:bodyPr>
+          <a:lstStyle/>
+          <a:p>
+            <a:pPr algn="ctr"/>
+            <a:r>
+              <a:rPr lang="pt-BR" sz="5400" b="1" cap="all" dirty="0" smtClean="0">
+                <a:ln w="9000" cmpd="sng">
+                  <a:solidFill>
+                    <a:schemeClr val="accent4">
+                      <a:shade val="50000"/>
+                      <a:satMod val="120000"/>
+                    </a:schemeClr>
+                  </a:solidFill>
+                  <a:prstDash val="solid"/>
+                </a:ln>
+                <a:gradFill>
+                  <a:gsLst>
+                    <a:gs pos="0">
+                      <a:schemeClr val="accent4">
+                        <a:shade val="20000"/>
+                        <a:satMod val="245000"/>
+                      </a:schemeClr>
+                    </a:gs>
+                    <a:gs pos="43000">
+                      <a:schemeClr val="accent4">
+                        <a:satMod val="255000"/>
+                      </a:schemeClr>
+                    </a:gs>
+                    <a:gs pos="48000">
+                      <a:schemeClr val="accent4">
+                        <a:shade val="85000"/>
+                        <a:satMod val="255000"/>
+                      </a:schemeClr>
+                    </a:gs>
+                    <a:gs pos="100000">
+                      <a:schemeClr val="accent4">
+                        <a:shade val="20000"/>
+                        <a:satMod val="245000"/>
+                      </a:schemeClr>
+                    </a:gs>
+                  </a:gsLst>
+                  <a:lin ang="5400000"/>
+                </a:gradFill>
+                <a:effectLst>
+                  <a:outerShdw blurRad="38100" dist="38100" dir="2700000" algn="tl">
+                    <a:srgbClr val="000000">
+                      <a:alpha val="43137"/>
+                    </a:srgbClr>
+                  </a:outerShdw>
+                  <a:reflection blurRad="12700" stA="28000" endPos="45000" dist="1000" dir="5400000" sy="-100000" algn="bl" rotWithShape="0"/>
+                </a:effectLst>
+              </a:rPr>
+              <a:t>Inserindo 1 produto </a:t>
+            </a:r>
+            <a:endParaRPr lang="pt-BR" sz="5400" b="1" cap="all" dirty="0">
+              <a:ln w="9000" cmpd="sng">
+                <a:solidFill>
+                  <a:schemeClr val="accent4">
+                    <a:shade val="50000"/>
+                    <a:satMod val="120000"/>
+                  </a:schemeClr>
+                </a:solidFill>
+                <a:prstDash val="solid"/>
+              </a:ln>
+              <a:gradFill>
+                <a:gsLst>
+                  <a:gs pos="0">
+                    <a:schemeClr val="accent4">
+                      <a:shade val="20000"/>
+                      <a:satMod val="245000"/>
+                    </a:schemeClr>
+                  </a:gs>
+                  <a:gs pos="43000">
+                    <a:schemeClr val="accent4">
+                      <a:satMod val="255000"/>
+                    </a:schemeClr>
+                  </a:gs>
+                  <a:gs pos="48000">
+                    <a:schemeClr val="accent4">
+                      <a:shade val="85000"/>
+                      <a:satMod val="255000"/>
+                    </a:schemeClr>
+                  </a:gs>
+                  <a:gs pos="100000">
+                    <a:schemeClr val="accent4">
+                      <a:shade val="20000"/>
+                      <a:satMod val="245000"/>
+                    </a:schemeClr>
+                  </a:gs>
+                </a:gsLst>
+                <a:lin ang="5400000"/>
+              </a:gradFill>
+              <a:effectLst>
+                <a:outerShdw blurRad="38100" dist="38100" dir="2700000" algn="tl">
+                  <a:srgbClr val="000000">
+                    <a:alpha val="43137"/>
+                  </a:srgbClr>
+                </a:outerShdw>
+                <a:reflection blurRad="12700" stA="28000" endPos="45000" dist="1000" dir="5400000" sy="-100000" algn="bl" rotWithShape="0"/>
+              </a:effectLst>
+            </a:endParaRPr>
+          </a:p>
+        </p:txBody>
+      </p:sp>
+      <p:pic>
+        <p:nvPicPr>
+          <p:cNvPr id="3074" name="Picture 2"/>
+          <p:cNvPicPr>
+            <a:picLocks noChangeAspect="1" noChangeArrowheads="1"/>
+          </p:cNvPicPr>
+          <p:nvPr/>
+        </p:nvPicPr>
+        <p:blipFill>
+          <a:blip r:embed="rId2"/>
+          <a:srcRect/>
+          <a:stretch>
+            <a:fillRect/>
+          </a:stretch>
+        </p:blipFill>
+        <p:spPr bwMode="auto">
+          <a:xfrm>
+            <a:off x="0" y="2362200"/>
+            <a:ext cx="9144000" cy="4495800"/>
+          </a:xfrm>
+          <a:prstGeom prst="rect">
+            <a:avLst/>
+          </a:prstGeom>
+          <a:noFill/>
+          <a:ln w="9525">
+            <a:noFill/>
+            <a:miter lim="800000"/>
+            <a:headEnd/>
+            <a:tailEnd/>
+          </a:ln>
+          <a:effectLst/>
+        </p:spPr>
+      </p:pic>
+    </p:spTree>
+  </p:cSld>
+  <p:clrMapOvr>
+    <a:masterClrMapping/>
+  </p:clrMapOvr>
+  <p:timing>
+    <p:tnLst>
+      <p:par>
+        <p:cTn id="1" dur="indefinite" restart="never" nodeType="tmRoot"/>
+      </p:par>
+    </p:tnLst>
+  </p:timing>
+</p:sld>
+</file>
+
+<file path=ppt/slides/slide6.xml><?xml version="1.0" encoding="utf-8"?>
+<p:sld xmlns:a="http://schemas.openxmlformats.org/drawingml/2006/main" xmlns:r="http://schemas.openxmlformats.org/officeDocument/2006/relationships" xmlns:p="http://schemas.openxmlformats.org/presentationml/2006/main">
+  <p:cSld>
+    <p:spTree>
+      <p:nvGrpSpPr>
+        <p:cNvPr id="1" name=""/>
+        <p:cNvGrpSpPr/>
+        <p:nvPr/>
+      </p:nvGrpSpPr>
+      <p:grpSpPr>
+        <a:xfrm>
+          <a:off x="0" y="0"/>
+          <a:ext cx="0" cy="0"/>
+          <a:chOff x="0" y="0"/>
+          <a:chExt cx="0" cy="0"/>
+        </a:xfrm>
+      </p:grpSpPr>
+      <p:sp>
+        <p:nvSpPr>
+          <p:cNvPr id="3" name="Retângulo 2"/>
+          <p:cNvSpPr/>
+          <p:nvPr/>
+        </p:nvSpPr>
+        <p:spPr>
+          <a:xfrm>
+            <a:off x="2428860" y="714356"/>
+            <a:ext cx="2944269" cy="923330"/>
+          </a:xfrm>
+          <a:prstGeom prst="rect">
+            <a:avLst/>
+          </a:prstGeom>
+          <a:noFill/>
+        </p:spPr>
+        <p:txBody>
+          <a:bodyPr wrap="none" lIns="91440" tIns="45720" rIns="91440" bIns="45720">
+            <a:spAutoFit/>
+          </a:bodyPr>
+          <a:lstStyle/>
+          <a:p>
+            <a:pPr algn="ctr"/>
+            <a:r>
+              <a:rPr lang="pt-BR" sz="5400" b="1" cap="all" dirty="0" smtClean="0">
+                <a:ln w="9000" cmpd="sng">
+                  <a:solidFill>
+                    <a:schemeClr val="accent4">
+                      <a:shade val="50000"/>
+                      <a:satMod val="120000"/>
+                    </a:schemeClr>
+                  </a:solidFill>
+                  <a:prstDash val="solid"/>
+                </a:ln>
+                <a:gradFill>
+                  <a:gsLst>
+                    <a:gs pos="0">
+                      <a:schemeClr val="accent4">
+                        <a:shade val="20000"/>
+                        <a:satMod val="245000"/>
+                      </a:schemeClr>
+                    </a:gs>
+                    <a:gs pos="43000">
+                      <a:schemeClr val="accent4">
+                        <a:satMod val="255000"/>
+                      </a:schemeClr>
+                    </a:gs>
+                    <a:gs pos="48000">
+                      <a:schemeClr val="accent4">
+                        <a:shade val="85000"/>
+                        <a:satMod val="255000"/>
+                      </a:schemeClr>
+                    </a:gs>
+                    <a:gs pos="100000">
+                      <a:schemeClr val="accent4">
+                        <a:shade val="20000"/>
+                        <a:satMod val="245000"/>
+                      </a:schemeClr>
+                    </a:gs>
+                  </a:gsLst>
+                  <a:lin ang="5400000"/>
+                </a:gradFill>
+                <a:effectLst>
+                  <a:outerShdw blurRad="38100" dist="38100" dir="2700000" algn="tl">
+                    <a:srgbClr val="000000">
+                      <a:alpha val="43137"/>
+                    </a:srgbClr>
+                  </a:outerShdw>
+                  <a:reflection blurRad="12700" stA="28000" endPos="45000" dist="1000" dir="5400000" sy="-100000" algn="bl" rotWithShape="0"/>
+                </a:effectLst>
+              </a:rPr>
+              <a:t>UPDATE</a:t>
+            </a:r>
+            <a:endParaRPr lang="pt-BR" sz="5400" b="1" cap="all" dirty="0">
+              <a:ln w="9000" cmpd="sng">
+                <a:solidFill>
+                  <a:schemeClr val="accent4">
+                    <a:shade val="50000"/>
+                    <a:satMod val="120000"/>
+                  </a:schemeClr>
+                </a:solidFill>
+                <a:prstDash val="solid"/>
+              </a:ln>
+              <a:gradFill>
+                <a:gsLst>
+                  <a:gs pos="0">
+                    <a:schemeClr val="accent4">
+                      <a:shade val="20000"/>
+                      <a:satMod val="245000"/>
+                    </a:schemeClr>
+                  </a:gs>
+                  <a:gs pos="43000">
+                    <a:schemeClr val="accent4">
+                      <a:satMod val="255000"/>
+                    </a:schemeClr>
+                  </a:gs>
+                  <a:gs pos="48000">
+                    <a:schemeClr val="accent4">
+                      <a:shade val="85000"/>
+                      <a:satMod val="255000"/>
+                    </a:schemeClr>
+                  </a:gs>
+                  <a:gs pos="100000">
+                    <a:schemeClr val="accent4">
+                      <a:shade val="20000"/>
+                      <a:satMod val="245000"/>
+                    </a:schemeClr>
+                  </a:gs>
+                </a:gsLst>
+                <a:lin ang="5400000"/>
+              </a:gradFill>
+              <a:effectLst>
+                <a:outerShdw blurRad="38100" dist="38100" dir="2700000" algn="tl">
+                  <a:srgbClr val="000000">
+                    <a:alpha val="43137"/>
+                  </a:srgbClr>
+                </a:outerShdw>
+                <a:reflection blurRad="12700" stA="28000" endPos="45000" dist="1000" dir="5400000" sy="-100000" algn="bl" rotWithShape="0"/>
+              </a:effectLst>
+            </a:endParaRPr>
+          </a:p>
+        </p:txBody>
+      </p:sp>
+      <p:pic>
+        <p:nvPicPr>
+          <p:cNvPr id="4098" name="Picture 2"/>
+          <p:cNvPicPr>
+            <a:picLocks noChangeAspect="1" noChangeArrowheads="1"/>
+          </p:cNvPicPr>
+          <p:nvPr/>
+        </p:nvPicPr>
+        <p:blipFill>
+          <a:blip r:embed="rId2"/>
+          <a:srcRect/>
+          <a:stretch>
+            <a:fillRect/>
+          </a:stretch>
+        </p:blipFill>
+        <p:spPr bwMode="auto">
+          <a:xfrm>
+            <a:off x="0" y="1643050"/>
+            <a:ext cx="9010650" cy="5214950"/>
+          </a:xfrm>
+          <a:prstGeom prst="rect">
+            <a:avLst/>
+          </a:prstGeom>
+          <a:noFill/>
+          <a:ln w="9525">
+            <a:noFill/>
+            <a:miter lim="800000"/>
+            <a:headEnd/>
+            <a:tailEnd/>
+          </a:ln>
+          <a:effectLst/>
+        </p:spPr>
+      </p:pic>
+    </p:spTree>
+  </p:cSld>
+  <p:clrMapOvr>
+    <a:masterClrMapping/>
+  </p:clrMapOvr>
+  <p:timing>
+    <p:tnLst>
+      <p:par>
+        <p:cTn id="1" dur="indefinite" restart="never" nodeType="tmRoot"/>
+      </p:par>
+    </p:tnLst>
+  </p:timing>
+</p:sld>
+</file>
+
+<file path=ppt/slides/slide7.xml><?xml version="1.0" encoding="utf-8"?>
+<p:sld xmlns:a="http://schemas.openxmlformats.org/drawingml/2006/main" xmlns:r="http://schemas.openxmlformats.org/officeDocument/2006/relationships" xmlns:p="http://schemas.openxmlformats.org/presentationml/2006/main">
+  <p:cSld>
+    <p:spTree>
+      <p:nvGrpSpPr>
+        <p:cNvPr id="1" name=""/>
+        <p:cNvGrpSpPr/>
+        <p:nvPr/>
+      </p:nvGrpSpPr>
+      <p:grpSpPr>
+        <a:xfrm>
+          <a:off x="0" y="0"/>
+          <a:ext cx="0" cy="0"/>
+          <a:chOff x="0" y="0"/>
+          <a:chExt cx="0" cy="0"/>
+        </a:xfrm>
+      </p:grpSpPr>
+      <p:sp>
+        <p:nvSpPr>
+          <p:cNvPr id="3" name="Retângulo 2"/>
+          <p:cNvSpPr/>
+          <p:nvPr/>
+        </p:nvSpPr>
+        <p:spPr>
+          <a:xfrm>
+            <a:off x="500034" y="928670"/>
+            <a:ext cx="7369260" cy="923330"/>
+          </a:xfrm>
+          <a:prstGeom prst="rect">
+            <a:avLst/>
+          </a:prstGeom>
+          <a:noFill/>
+        </p:spPr>
+        <p:txBody>
+          <a:bodyPr wrap="none" lIns="91440" tIns="45720" rIns="91440" bIns="45720">
+            <a:spAutoFit/>
+          </a:bodyPr>
+          <a:lstStyle/>
+          <a:p>
+            <a:pPr algn="ctr"/>
+            <a:r>
+              <a:rPr lang="pt-BR" sz="5400" b="1" cap="all" dirty="0" smtClean="0">
+                <a:ln w="9000" cmpd="sng">
+                  <a:solidFill>
+                    <a:schemeClr val="accent4">
+                      <a:shade val="50000"/>
+                      <a:satMod val="120000"/>
+                    </a:schemeClr>
+                  </a:solidFill>
+                  <a:prstDash val="solid"/>
+                </a:ln>
+                <a:gradFill>
+                  <a:gsLst>
+                    <a:gs pos="0">
+                      <a:schemeClr val="accent4">
+                        <a:shade val="20000"/>
+                        <a:satMod val="245000"/>
+                      </a:schemeClr>
+                    </a:gs>
+                    <a:gs pos="43000">
+                      <a:schemeClr val="accent4">
+                        <a:satMod val="255000"/>
+                      </a:schemeClr>
+                    </a:gs>
+                    <a:gs pos="48000">
+                      <a:schemeClr val="accent4">
+                        <a:shade val="85000"/>
+                        <a:satMod val="255000"/>
+                      </a:schemeClr>
+                    </a:gs>
+                    <a:gs pos="100000">
+                      <a:schemeClr val="accent4">
+                        <a:shade val="20000"/>
+                        <a:satMod val="245000"/>
+                      </a:schemeClr>
+                    </a:gs>
+                  </a:gsLst>
+                  <a:lin ang="5400000"/>
+                </a:gradFill>
+                <a:effectLst>
+                  <a:outerShdw blurRad="38100" dist="38100" dir="2700000" algn="tl">
+                    <a:srgbClr val="000000">
+                      <a:alpha val="43137"/>
+                    </a:srgbClr>
+                  </a:outerShdw>
+                  <a:reflection blurRad="12700" stA="28000" endPos="45000" dist="1000" dir="5400000" sy="-100000" algn="bl" rotWithShape="0"/>
+                </a:effectLst>
+              </a:rPr>
+              <a:t>Alterando  Tabela</a:t>
+            </a:r>
+            <a:endParaRPr lang="pt-BR" sz="5400" b="1" cap="all" dirty="0">
+              <a:ln w="9000" cmpd="sng">
+                <a:solidFill>
+                  <a:schemeClr val="accent4">
+                    <a:shade val="50000"/>
+                    <a:satMod val="120000"/>
+                  </a:schemeClr>
+                </a:solidFill>
+                <a:prstDash val="solid"/>
+              </a:ln>
+              <a:gradFill>
+                <a:gsLst>
+                  <a:gs pos="0">
+                    <a:schemeClr val="accent4">
+                      <a:shade val="20000"/>
+                      <a:satMod val="245000"/>
+                    </a:schemeClr>
+                  </a:gs>
+                  <a:gs pos="43000">
+                    <a:schemeClr val="accent4">
+                      <a:satMod val="255000"/>
+                    </a:schemeClr>
+                  </a:gs>
+                  <a:gs pos="48000">
+                    <a:schemeClr val="accent4">
+                      <a:shade val="85000"/>
+                      <a:satMod val="255000"/>
+                    </a:schemeClr>
+                  </a:gs>
+                  <a:gs pos="100000">
+                    <a:schemeClr val="accent4">
+                      <a:shade val="20000"/>
+                      <a:satMod val="245000"/>
+                    </a:schemeClr>
+                  </a:gs>
+                </a:gsLst>
+                <a:lin ang="5400000"/>
+              </a:gradFill>
+              <a:effectLst>
+                <a:outerShdw blurRad="38100" dist="38100" dir="2700000" algn="tl">
+                  <a:srgbClr val="000000">
+                    <a:alpha val="43137"/>
+                  </a:srgbClr>
+                </a:outerShdw>
+                <a:reflection blurRad="12700" stA="28000" endPos="45000" dist="1000" dir="5400000" sy="-100000" algn="bl" rotWithShape="0"/>
+              </a:effectLst>
+            </a:endParaRPr>
+          </a:p>
+        </p:txBody>
+      </p:sp>
+      <p:pic>
+        <p:nvPicPr>
+          <p:cNvPr id="5122" name="Picture 2"/>
+          <p:cNvPicPr>
+            <a:picLocks noChangeAspect="1" noChangeArrowheads="1"/>
+          </p:cNvPicPr>
+          <p:nvPr/>
+        </p:nvPicPr>
+        <p:blipFill>
+          <a:blip r:embed="rId2"/>
+          <a:srcRect/>
+          <a:stretch>
+            <a:fillRect/>
+          </a:stretch>
+        </p:blipFill>
+        <p:spPr bwMode="auto">
+          <a:xfrm>
+            <a:off x="9525" y="1857364"/>
+            <a:ext cx="9124950" cy="5038730"/>
+          </a:xfrm>
+          <a:prstGeom prst="rect">
+            <a:avLst/>
+          </a:prstGeom>
+          <a:noFill/>
+          <a:ln w="9525">
+            <a:noFill/>
+            <a:miter lim="800000"/>
+            <a:headEnd/>
+            <a:tailEnd/>
+          </a:ln>
+          <a:effectLst/>
+        </p:spPr>
+      </p:pic>
+    </p:spTree>
+  </p:cSld>
+  <p:clrMapOvr>
+    <a:masterClrMapping/>
+  </p:clrMapOvr>
+  <p:timing>
+    <p:tnLst>
+      <p:par>
+        <p:cTn id="1" dur="indefinite" restart="never" nodeType="tmRoot"/>
+      </p:par>
+    </p:tnLst>
+  </p:timing>
+</p:sld>
+</file>
+
+<file path=ppt/slides/slide8.xml><?xml version="1.0" encoding="utf-8"?>
+<p:sld xmlns:a="http://schemas.openxmlformats.org/drawingml/2006/main" xmlns:r="http://schemas.openxmlformats.org/officeDocument/2006/relationships" xmlns:p="http://schemas.openxmlformats.org/presentationml/2006/main">
+  <p:cSld>
+    <p:spTree>
+      <p:nvGrpSpPr>
+        <p:cNvPr id="1" name=""/>
+        <p:cNvGrpSpPr/>
+        <p:nvPr/>
+      </p:nvGrpSpPr>
+      <p:grpSpPr>
+        <a:xfrm>
+          <a:off x="0" y="0"/>
+          <a:ext cx="0" cy="0"/>
+          <a:chOff x="0" y="0"/>
+          <a:chExt cx="0" cy="0"/>
+        </a:xfrm>
+      </p:grpSpPr>
+      <p:sp>
+        <p:nvSpPr>
+          <p:cNvPr id="3" name="Retângulo 2"/>
+          <p:cNvSpPr/>
+          <p:nvPr/>
+        </p:nvSpPr>
+        <p:spPr>
+          <a:xfrm>
+            <a:off x="1142976" y="571480"/>
+            <a:ext cx="6182142" cy="923330"/>
+          </a:xfrm>
+          <a:prstGeom prst="rect">
+            <a:avLst/>
+          </a:prstGeom>
+          <a:noFill/>
+        </p:spPr>
+        <p:txBody>
+          <a:bodyPr wrap="none" lIns="91440" tIns="45720" rIns="91440" bIns="45720">
+            <a:spAutoFit/>
+          </a:bodyPr>
+          <a:lstStyle/>
+          <a:p>
+            <a:pPr algn="ctr"/>
+            <a:r>
+              <a:rPr lang="pt-BR" sz="5400" b="1" cap="all" dirty="0" smtClean="0">
+                <a:ln w="9000" cmpd="sng">
+                  <a:solidFill>
+                    <a:schemeClr val="accent4">
+                      <a:shade val="50000"/>
+                      <a:satMod val="120000"/>
+                    </a:schemeClr>
+                  </a:solidFill>
+                  <a:prstDash val="solid"/>
+                </a:ln>
+                <a:gradFill>
+                  <a:gsLst>
+                    <a:gs pos="0">
+                      <a:schemeClr val="accent4">
+                        <a:shade val="20000"/>
+                        <a:satMod val="245000"/>
+                      </a:schemeClr>
+                    </a:gs>
+                    <a:gs pos="43000">
+                      <a:schemeClr val="accent4">
+                        <a:satMod val="255000"/>
+                      </a:schemeClr>
+                    </a:gs>
+                    <a:gs pos="48000">
+                      <a:schemeClr val="accent4">
+                        <a:shade val="85000"/>
+                        <a:satMod val="255000"/>
+                      </a:schemeClr>
+                    </a:gs>
+                    <a:gs pos="100000">
+                      <a:schemeClr val="accent4">
+                        <a:shade val="20000"/>
+                        <a:satMod val="245000"/>
+                      </a:schemeClr>
+                    </a:gs>
+                  </a:gsLst>
+                  <a:lin ang="5400000"/>
+                </a:gradFill>
+                <a:effectLst>
+                  <a:outerShdw blurRad="38100" dist="38100" dir="2700000" algn="tl">
+                    <a:srgbClr val="000000">
+                      <a:alpha val="43137"/>
+                    </a:srgbClr>
+                  </a:outerShdw>
+                  <a:reflection blurRad="12700" stA="28000" endPos="45000" dist="1000" dir="5400000" sy="-100000" algn="bl" rotWithShape="0"/>
+                </a:effectLst>
+              </a:rPr>
+              <a:t>Chave primaria</a:t>
+            </a:r>
+            <a:endParaRPr lang="pt-BR" sz="5400" b="1" cap="all" dirty="0">
+              <a:ln w="9000" cmpd="sng">
+                <a:solidFill>
+                  <a:schemeClr val="accent4">
+                    <a:shade val="50000"/>
+                    <a:satMod val="120000"/>
+                  </a:schemeClr>
+                </a:solidFill>
+                <a:prstDash val="solid"/>
+              </a:ln>
+              <a:gradFill>
+                <a:gsLst>
+                  <a:gs pos="0">
+                    <a:schemeClr val="accent4">
+                      <a:shade val="20000"/>
+                      <a:satMod val="245000"/>
+                    </a:schemeClr>
+                  </a:gs>
+                  <a:gs pos="43000">
+                    <a:schemeClr val="accent4">
+                      <a:satMod val="255000"/>
+                    </a:schemeClr>
+                  </a:gs>
+                  <a:gs pos="48000">
+                    <a:schemeClr val="accent4">
+                      <a:shade val="85000"/>
+                      <a:satMod val="255000"/>
+                    </a:schemeClr>
+                  </a:gs>
+                  <a:gs pos="100000">
+                    <a:schemeClr val="accent4">
+                      <a:shade val="20000"/>
+                      <a:satMod val="245000"/>
+                    </a:schemeClr>
+                  </a:gs>
+                </a:gsLst>
+                <a:lin ang="5400000"/>
+              </a:gradFill>
+              <a:effectLst>
+                <a:outerShdw blurRad="38100" dist="38100" dir="2700000" algn="tl">
+                  <a:srgbClr val="000000">
+                    <a:alpha val="43137"/>
+                  </a:srgbClr>
+                </a:outerShdw>
+                <a:reflection blurRad="12700" stA="28000" endPos="45000" dist="1000" dir="5400000" sy="-100000" algn="bl" rotWithShape="0"/>
+              </a:effectLst>
+            </a:endParaRPr>
+          </a:p>
+        </p:txBody>
+      </p:sp>
+      <p:pic>
+        <p:nvPicPr>
+          <p:cNvPr id="6146" name="Picture 2"/>
+          <p:cNvPicPr>
+            <a:picLocks noChangeAspect="1" noChangeArrowheads="1"/>
+          </p:cNvPicPr>
+          <p:nvPr/>
+        </p:nvPicPr>
+        <p:blipFill>
+          <a:blip r:embed="rId2"/>
+          <a:srcRect/>
+          <a:stretch>
+            <a:fillRect/>
+          </a:stretch>
+        </p:blipFill>
+        <p:spPr bwMode="auto">
+          <a:xfrm>
+            <a:off x="0" y="1714489"/>
+            <a:ext cx="9144000" cy="5143512"/>
           </a:xfrm>
           <a:prstGeom prst="rect">
             <a:avLst/>
